--- a/events/2021-03-17/slides/05-supporters.pptx
+++ b/events/2021-03-17/slides/05-supporters.pptx
@@ -239,7 +239,7 @@
             <a:fld id="{35305EB0-020F-4995-961E-A35B2BB78D2B}" type="datetimeFigureOut">
               <a:rPr kumimoji="1" lang="ja-JP" altLang="en-US" smtClean="0"/>
               <a:pPr/>
-              <a:t>2021/3/16</a:t>
+              <a:t>2021/3/17</a:t>
             </a:fld>
             <a:endParaRPr kumimoji="1" lang="ja-JP" altLang="en-US"/>
           </a:p>
@@ -52389,7 +52389,7 @@
         </p:spPr>
         <p:txBody>
           <a:bodyPr>
-            <a:normAutofit fontScale="85000" lnSpcReduction="20000"/>
+            <a:normAutofit fontScale="70000" lnSpcReduction="20000"/>
           </a:bodyPr>
           <a:lstStyle/>
           <a:p>
@@ -52399,10 +52399,71 @@
             </a:r>
           </a:p>
           <a:p>
+            <a:pPr lvl="1"/>
+            <a:r>
+              <a:rPr lang="ja-JP" altLang="en-US" dirty="0"/>
+              <a:t>本学</a:t>
+            </a:r>
             <a:r>
               <a:rPr kumimoji="1" lang="ja-JP" altLang="en-US" dirty="0"/>
-              <a:t>大学在籍の学生・研究生・ポスドク等が対象</a:t>
+              <a:t>の学生・研究生・ポスドク等が対象</a:t>
             </a:r>
+          </a:p>
+          <a:p>
+            <a:r>
+              <a:rPr kumimoji="1" lang="ja-JP" altLang="en-US" dirty="0"/>
+              <a:t>研修</a:t>
+            </a:r>
+            <a:r>
+              <a:rPr lang="ja-JP" altLang="en-US" dirty="0"/>
+              <a:t>を</a:t>
+            </a:r>
+            <a:r>
+              <a:rPr kumimoji="1" lang="ja-JP" altLang="en-US" dirty="0"/>
+              <a:t>受講することを条件とする</a:t>
+            </a:r>
+            <a:endParaRPr kumimoji="1" lang="en-US" altLang="ja-JP" dirty="0"/>
+          </a:p>
+          <a:p>
+            <a:pPr lvl="1"/>
+            <a:r>
+              <a:rPr kumimoji="1" lang="ja-JP" altLang="en-US" dirty="0"/>
+              <a:t>研修は</a:t>
+            </a:r>
+            <a:r>
+              <a:rPr kumimoji="1" lang="ja-JP" altLang="en-US" dirty="0">
+                <a:hlinkClick r:id="rId2"/>
+              </a:rPr>
+              <a:t>資料・動画</a:t>
+            </a:r>
+            <a:r>
+              <a:rPr kumimoji="1" lang="ja-JP" altLang="en-US" dirty="0"/>
+              <a:t>を確認することで実施</a:t>
+            </a:r>
+            <a:endParaRPr kumimoji="1" lang="en-US" altLang="ja-JP" dirty="0"/>
+          </a:p>
+          <a:p>
+            <a:pPr lvl="1"/>
+            <a:r>
+              <a:rPr kumimoji="1" lang="ja-JP" altLang="en-US" dirty="0"/>
+              <a:t>過去に</a:t>
+            </a:r>
+            <a:r>
+              <a:rPr kumimoji="1" lang="en-US" altLang="ja-JP" dirty="0"/>
+              <a:t>1</a:t>
+            </a:r>
+            <a:r>
+              <a:rPr kumimoji="1" lang="ja-JP" altLang="en-US" dirty="0"/>
+              <a:t>度受けていたら再受講の必要はなし</a:t>
+            </a:r>
+            <a:endParaRPr kumimoji="1" lang="en-US" altLang="ja-JP" dirty="0"/>
+          </a:p>
+          <a:p>
+            <a:r>
+              <a:rPr lang="ja-JP" altLang="en-US" dirty="0"/>
+              <a:t>サポーター業務は成績とは無関係とする</a:t>
+            </a:r>
+            <a:endParaRPr kumimoji="1" lang="en-US" altLang="ja-JP" dirty="0"/>
           </a:p>
           <a:p>
             <a:r>
@@ -52423,7 +52484,15 @@
             </a:r>
             <a:r>
               <a:rPr kumimoji="1" lang="ja-JP" altLang="en-US" dirty="0"/>
-              <a:t>円（研修参加含む</a:t>
+              <a:t>円（</a:t>
+            </a:r>
+            <a:r>
+              <a:rPr kumimoji="1" lang="ja-JP" altLang="en-US" b="1" u="sng" dirty="0"/>
+              <a:t>研修含まず</a:t>
+            </a:r>
+            <a:r>
+              <a:rPr kumimoji="1" lang="ja-JP" altLang="en-US" dirty="0"/>
+              <a:t>に</a:t>
             </a:r>
             <a:r>
               <a:rPr kumimoji="1" lang="en-US" altLang="ja-JP" dirty="0"/>
@@ -52436,23 +52505,6 @@
             <a:endParaRPr kumimoji="1" lang="en-US" altLang="ja-JP" dirty="0"/>
           </a:p>
           <a:p>
-            <a:pPr lvl="1"/>
-            <a:r>
-              <a:rPr kumimoji="1" lang="ja-JP" altLang="en-US" dirty="0"/>
-              <a:t>研修は</a:t>
-            </a:r>
-            <a:r>
-              <a:rPr kumimoji="1" lang="ja-JP" altLang="en-US" dirty="0">
-                <a:hlinkClick r:id="rId2"/>
-              </a:rPr>
-              <a:t>資料・動画</a:t>
-            </a:r>
-            <a:r>
-              <a:rPr kumimoji="1" lang="ja-JP" altLang="en-US" dirty="0"/>
-              <a:t>を確認することで実施</a:t>
-            </a:r>
-          </a:p>
-          <a:p>
             <a:r>
               <a:rPr kumimoji="1" lang="en-US" altLang="ja-JP" dirty="0"/>
               <a:t>TA</a:t>
@@ -52463,7 +52515,7 @@
             </a:r>
             <a:r>
               <a:rPr kumimoji="1" lang="ja-JP" altLang="en-US" sz="2400" dirty="0"/>
-              <a:t>（学生の同意があればハイブリッドも可）</a:t>
+              <a:t>（学生の同意があればハイブリッドのサポートも可）</a:t>
             </a:r>
             <a:endParaRPr kumimoji="1" lang="en-US" altLang="ja-JP" dirty="0"/>
           </a:p>
@@ -52471,15 +52523,7 @@
             <a:pPr lvl="1"/>
             <a:r>
               <a:rPr kumimoji="1" lang="ja-JP" altLang="en-US" dirty="0"/>
-              <a:t>ウェブ会議に慣れるための事前練習</a:t>
-            </a:r>
-            <a:endParaRPr kumimoji="1" lang="en-US" altLang="ja-JP" dirty="0"/>
-          </a:p>
-          <a:p>
-            <a:pPr lvl="1"/>
-            <a:r>
-              <a:rPr kumimoji="1" lang="ja-JP" altLang="en-US" dirty="0"/>
-              <a:t>授業中のチャットのチェック</a:t>
+              <a:t>ウェブ会議に慣れるための事前練習、授業中のチャット確認</a:t>
             </a:r>
           </a:p>
           <a:p>
@@ -52492,68 +52536,51 @@
           <a:p>
             <a:pPr lvl="1"/>
             <a:r>
+              <a:rPr lang="ja-JP" altLang="en-US" dirty="0"/>
+              <a:t>サポーター情報を含めて</a:t>
+            </a:r>
+            <a:r>
               <a:rPr kumimoji="1" lang="ja-JP" altLang="en-US" dirty="0"/>
-              <a:t>申請 → サポート利用 → 業務完了報告</a:t>
+              <a:t>申請 → </a:t>
             </a:r>
+            <a:r>
+              <a:rPr lang="ja-JP" altLang="en-US" dirty="0"/>
+              <a:t>活動</a:t>
+            </a:r>
+            <a:r>
+              <a:rPr kumimoji="1" lang="ja-JP" altLang="en-US" dirty="0"/>
+              <a:t> → 業務完了報告</a:t>
+            </a:r>
+            <a:endParaRPr kumimoji="1" lang="en-US" altLang="ja-JP" dirty="0"/>
+          </a:p>
+          <a:p>
+            <a:pPr marL="457200" lvl="1" indent="0">
+              <a:buNone/>
+            </a:pPr>
+            <a:r>
+              <a:rPr lang="ja-JP" altLang="en-US" dirty="0"/>
+              <a:t>　</a:t>
+            </a:r>
+            <a:r>
+              <a:rPr lang="ja-JP" altLang="en-US" sz="2200" dirty="0"/>
+              <a:t>（サポーターいない場合、マッチングすることも可能）</a:t>
+            </a:r>
+            <a:endParaRPr kumimoji="1" lang="ja-JP" altLang="en-US" dirty="0"/>
           </a:p>
           <a:p>
             <a:r>
               <a:rPr kumimoji="1" lang="ja-JP" altLang="en-US" dirty="0"/>
-              <a:t>お申込みおよび詳細は</a:t>
-            </a:r>
-            <a:r>
-              <a:rPr kumimoji="1" lang="en-US" altLang="ja-JP" dirty="0"/>
-              <a:t>22</a:t>
-            </a:r>
-            <a:r>
-              <a:rPr kumimoji="1" lang="ja-JP" altLang="en-US" dirty="0"/>
-              <a:t>日の週に公開予定</a:t>
+              <a:t>お申込みおよび詳細は以下のページ参照</a:t>
             </a:r>
             <a:endParaRPr kumimoji="1" lang="en-US" altLang="ja-JP" dirty="0"/>
           </a:p>
           <a:p>
             <a:pPr lvl="1"/>
             <a:r>
-              <a:rPr kumimoji="1" lang="ja-JP" altLang="en-US" dirty="0"/>
-              <a:t>参考</a:t>
-            </a:r>
-            <a:r>
-              <a:rPr kumimoji="1" lang="en-US" altLang="ja-JP" dirty="0"/>
-              <a:t>: </a:t>
-            </a:r>
-            <a:r>
-              <a:rPr kumimoji="1" lang="ja-JP" altLang="en-US" dirty="0"/>
-              <a:t>過去の </a:t>
-            </a:r>
-            <a:r>
-              <a:rPr kumimoji="1" lang="en-US" altLang="ja-JP" dirty="0"/>
-              <a:t>Web </a:t>
-            </a:r>
-            <a:r>
-              <a:rPr kumimoji="1" lang="ja-JP" altLang="en-US" dirty="0"/>
-              <a:t>ページ</a:t>
-            </a:r>
-            <a:r>
-              <a:rPr kumimoji="1" lang="en-US" altLang="ja-JP" dirty="0"/>
-              <a:t> </a:t>
-            </a:r>
-            <a:r>
               <a:rPr kumimoji="1" lang="en-US" altLang="ja-JP" dirty="0">
                 <a:hlinkClick r:id="rId3"/>
               </a:rPr>
-              <a:t>https://utelecon.github.io/supporters/class_</a:t>
-            </a:r>
-            <a:r>
-              <a:rPr lang="en-US" altLang="ja-JP" dirty="0">
-                <a:hlinkClick r:id="rId3"/>
-              </a:rPr>
-              <a:t>a</a:t>
-            </a:r>
-            <a:r>
-              <a:rPr kumimoji="1" lang="en-US" altLang="ja-JP" dirty="0">
-                <a:hlinkClick r:id="rId3"/>
-              </a:rPr>
-              <a:t>.html</a:t>
+              <a:t>https://utelecon.github.io/supporters/class_2021.html</a:t>
             </a:r>
             <a:r>
               <a:rPr kumimoji="1" lang="en-US" altLang="ja-JP" dirty="0"/>

--- a/events/2021-03-17/slides/05-supporters.pptx
+++ b/events/2021-03-17/slides/05-supporters.pptx
@@ -52570,7 +52570,23 @@
           <a:p>
             <a:r>
               <a:rPr kumimoji="1" lang="ja-JP" altLang="en-US" dirty="0"/>
-              <a:t>お申込みおよび詳細は以下のページ参照</a:t>
+              <a:t>詳細は以下のページ参照（</a:t>
+            </a:r>
+            <a:r>
+              <a:rPr kumimoji="1" lang="ja-JP" altLang="en-US" b="1" u="sng" dirty="0"/>
+              <a:t>利用開始は</a:t>
+            </a:r>
+            <a:r>
+              <a:rPr lang="en-US" altLang="ja-JP" b="1" u="sng" dirty="0"/>
+              <a:t>4</a:t>
+            </a:r>
+            <a:r>
+              <a:rPr lang="ja-JP" altLang="en-US" b="1" u="sng" dirty="0"/>
+              <a:t>月予定</a:t>
+            </a:r>
+            <a:r>
+              <a:rPr kumimoji="1" lang="ja-JP" altLang="en-US" dirty="0"/>
+              <a:t>）</a:t>
             </a:r>
             <a:endParaRPr kumimoji="1" lang="en-US" altLang="ja-JP" dirty="0"/>
           </a:p>
